--- a/fall/sem_5_pointers/presentations/Семинар_5.pptx
+++ b/fall/sem_5_pointers/presentations/Семинар_5.pptx
@@ -113,6 +113,11 @@
       </a:defRPr>
     </a:lvl9pPr>
   </p:defaultTextStyle>
+  <p:extLst>
+    <p:ext uri="{EFAFB233-063F-42B5-8137-9DF3F51BA10A}">
+      <p15:sldGuideLst xmlns:p15="http://schemas.microsoft.com/office/powerpoint/2012/main"/>
+    </p:ext>
+  </p:extLst>
 </p:presentation>
 </file>
 
@@ -1429,8 +1434,27 @@
                 <a:ea typeface="ArialMT"/>
                 <a:cs typeface="Arial" panose="020B0604020202020204" pitchFamily="34" charset="0"/>
               </a:rPr>
-              <a:t> C++ №4</a:t>
-            </a:r>
+              <a:t> C</a:t>
+            </a:r>
+            <a:r>
+              <a:rPr lang="en-US" sz="5400" b="0" strike="noStrike" spc="-1">
+                <a:solidFill>
+                  <a:srgbClr val="000000"/>
+                </a:solidFill>
+                <a:latin typeface="Arial" panose="020B0604020202020204" pitchFamily="34" charset="0"/>
+                <a:ea typeface="ArialMT"/>
+                <a:cs typeface="Arial" panose="020B0604020202020204" pitchFamily="34" charset="0"/>
+              </a:rPr>
+              <a:t>++ №5</a:t>
+            </a:r>
+            <a:endParaRPr lang="en-US" sz="5400" b="0" strike="noStrike" spc="-1" dirty="0">
+              <a:solidFill>
+                <a:srgbClr val="000000"/>
+              </a:solidFill>
+              <a:latin typeface="Arial" panose="020B0604020202020204" pitchFamily="34" charset="0"/>
+              <a:ea typeface="ArialMT"/>
+              <a:cs typeface="Arial" panose="020B0604020202020204" pitchFamily="34" charset="0"/>
+            </a:endParaRPr>
           </a:p>
           <a:p>
             <a:pPr algn="ctr">
